--- a/Predicting Conflict-Proposal.pptx
+++ b/Predicting Conflict-Proposal.pptx
@@ -275,7 +275,7 @@
           <a:p>
             <a:fld id="{5FC23AD4-B71A-4E62-B5F5-C74B02D94D49}" type="datetimeFigureOut">
               <a:rPr lang="en-US" smtClean="0"/>
-              <a:t>10/22/2022</a:t>
+              <a:t>10/25/2022</a:t>
             </a:fld>
             <a:endParaRPr lang="en-US"/>
           </a:p>
@@ -473,7 +473,7 @@
           <a:p>
             <a:fld id="{5FC23AD4-B71A-4E62-B5F5-C74B02D94D49}" type="datetimeFigureOut">
               <a:rPr lang="en-US" smtClean="0"/>
-              <a:t>10/22/2022</a:t>
+              <a:t>10/25/2022</a:t>
             </a:fld>
             <a:endParaRPr lang="en-US"/>
           </a:p>
@@ -681,7 +681,7 @@
           <a:p>
             <a:fld id="{5FC23AD4-B71A-4E62-B5F5-C74B02D94D49}" type="datetimeFigureOut">
               <a:rPr lang="en-US" smtClean="0"/>
-              <a:t>10/22/2022</a:t>
+              <a:t>10/25/2022</a:t>
             </a:fld>
             <a:endParaRPr lang="en-US"/>
           </a:p>
@@ -879,7 +879,7 @@
           <a:p>
             <a:fld id="{5FC23AD4-B71A-4E62-B5F5-C74B02D94D49}" type="datetimeFigureOut">
               <a:rPr lang="en-US" smtClean="0"/>
-              <a:t>10/22/2022</a:t>
+              <a:t>10/25/2022</a:t>
             </a:fld>
             <a:endParaRPr lang="en-US"/>
           </a:p>
@@ -1154,7 +1154,7 @@
           <a:p>
             <a:fld id="{5FC23AD4-B71A-4E62-B5F5-C74B02D94D49}" type="datetimeFigureOut">
               <a:rPr lang="en-US" smtClean="0"/>
-              <a:t>10/22/2022</a:t>
+              <a:t>10/25/2022</a:t>
             </a:fld>
             <a:endParaRPr lang="en-US"/>
           </a:p>
@@ -1419,7 +1419,7 @@
           <a:p>
             <a:fld id="{5FC23AD4-B71A-4E62-B5F5-C74B02D94D49}" type="datetimeFigureOut">
               <a:rPr lang="en-US" smtClean="0"/>
-              <a:t>10/22/2022</a:t>
+              <a:t>10/25/2022</a:t>
             </a:fld>
             <a:endParaRPr lang="en-US"/>
           </a:p>
@@ -1831,7 +1831,7 @@
           <a:p>
             <a:fld id="{5FC23AD4-B71A-4E62-B5F5-C74B02D94D49}" type="datetimeFigureOut">
               <a:rPr lang="en-US" smtClean="0"/>
-              <a:t>10/22/2022</a:t>
+              <a:t>10/25/2022</a:t>
             </a:fld>
             <a:endParaRPr lang="en-US"/>
           </a:p>
@@ -1972,7 +1972,7 @@
           <a:p>
             <a:fld id="{5FC23AD4-B71A-4E62-B5F5-C74B02D94D49}" type="datetimeFigureOut">
               <a:rPr lang="en-US" smtClean="0"/>
-              <a:t>10/22/2022</a:t>
+              <a:t>10/25/2022</a:t>
             </a:fld>
             <a:endParaRPr lang="en-US"/>
           </a:p>
@@ -2085,7 +2085,7 @@
           <a:p>
             <a:fld id="{5FC23AD4-B71A-4E62-B5F5-C74B02D94D49}" type="datetimeFigureOut">
               <a:rPr lang="en-US" smtClean="0"/>
-              <a:t>10/22/2022</a:t>
+              <a:t>10/25/2022</a:t>
             </a:fld>
             <a:endParaRPr lang="en-US"/>
           </a:p>
@@ -2396,7 +2396,7 @@
           <a:p>
             <a:fld id="{5FC23AD4-B71A-4E62-B5F5-C74B02D94D49}" type="datetimeFigureOut">
               <a:rPr lang="en-US" smtClean="0"/>
-              <a:t>10/22/2022</a:t>
+              <a:t>10/25/2022</a:t>
             </a:fld>
             <a:endParaRPr lang="en-US"/>
           </a:p>
@@ -2684,7 +2684,7 @@
           <a:p>
             <a:fld id="{5FC23AD4-B71A-4E62-B5F5-C74B02D94D49}" type="datetimeFigureOut">
               <a:rPr lang="en-US" smtClean="0"/>
-              <a:t>10/22/2022</a:t>
+              <a:t>10/25/2022</a:t>
             </a:fld>
             <a:endParaRPr lang="en-US"/>
           </a:p>
@@ -2925,7 +2925,7 @@
           <a:p>
             <a:fld id="{5FC23AD4-B71A-4E62-B5F5-C74B02D94D49}" type="datetimeFigureOut">
               <a:rPr lang="en-US" smtClean="0"/>
-              <a:t>10/22/2022</a:t>
+              <a:t>10/25/2022</a:t>
             </a:fld>
             <a:endParaRPr lang="en-US"/>
           </a:p>
@@ -3640,7 +3640,52 @@
             </a:pPr>
             <a:r>
               <a:rPr lang="en-US" u="sng" dirty="0"/>
-              <a:t>Size:</a:t>
+              <a:t>Size: </a:t>
+            </a:r>
+          </a:p>
+          <a:p>
+            <a:pPr marL="0" indent="0">
+              <a:buNone/>
+            </a:pPr>
+            <a:r>
+              <a:rPr lang="en-US" dirty="0"/>
+              <a:t>14 Companies</a:t>
+            </a:r>
+          </a:p>
+          <a:p>
+            <a:pPr marL="0" indent="0">
+              <a:buNone/>
+            </a:pPr>
+            <a:r>
+              <a:rPr lang="en-US" dirty="0"/>
+              <a:t>6839 Instances</a:t>
+            </a:r>
+          </a:p>
+          <a:p>
+            <a:pPr marL="0" indent="0">
+              <a:buNone/>
+            </a:pPr>
+            <a:r>
+              <a:rPr lang="en-US" dirty="0"/>
+              <a:t>89 Attributes</a:t>
+            </a:r>
+          </a:p>
+          <a:p>
+            <a:pPr marL="0" indent="0">
+              <a:buNone/>
+            </a:pPr>
+            <a:r>
+              <a:rPr lang="en-US" dirty="0"/>
+              <a:t>~ 20 useful attributes </a:t>
+            </a:r>
+          </a:p>
+          <a:p>
+            <a:pPr marL="0" indent="0">
+              <a:buNone/>
+            </a:pPr>
+            <a:r>
+              <a:rPr lang="en-US" dirty="0"/>
+              <a:t>4.7 MB</a:t>
             </a:r>
           </a:p>
           <a:p>
@@ -3649,25 +3694,69 @@
             </a:pPr>
             <a:endParaRPr lang="en-US" dirty="0"/>
           </a:p>
+        </p:txBody>
+      </p:sp>
+      <p:sp>
+        <p:nvSpPr>
+          <p:cNvPr id="3" name="TextBox 2">
+            <a:extLst>
+              <a:ext uri="{FF2B5EF4-FFF2-40B4-BE49-F238E27FC236}">
+                <a16:creationId xmlns:a16="http://schemas.microsoft.com/office/drawing/2014/main" id="{0C19E7A8-B36C-15E7-D515-E453AD7842DF}"/>
+              </a:ext>
+            </a:extLst>
+          </p:cNvPr>
+          <p:cNvSpPr txBox="1"/>
+          <p:nvPr/>
+        </p:nvSpPr>
+        <p:spPr>
+          <a:xfrm>
+            <a:off x="6413240" y="3601616"/>
+            <a:ext cx="5343331" cy="2092881"/>
+          </a:xfrm>
+          <a:prstGeom prst="rect">
+            <a:avLst/>
+          </a:prstGeom>
+          <a:noFill/>
+        </p:spPr>
+        <p:txBody>
+          <a:bodyPr wrap="square" rtlCol="0">
+            <a:spAutoFit/>
+          </a:bodyPr>
+          <a:lstStyle/>
           <a:p>
             <a:pPr marL="0" indent="0">
               <a:buNone/>
             </a:pPr>
-            <a:endParaRPr lang="en-US" dirty="0"/>
+            <a:r>
+              <a:rPr lang="en-US" sz="2800" u="sng" dirty="0"/>
+              <a:t>Complexity for Decision Tree:</a:t>
+            </a:r>
           </a:p>
           <a:p>
             <a:pPr marL="0" indent="0">
               <a:buNone/>
             </a:pPr>
             <a:r>
-              <a:rPr lang="en-US" u="sng" dirty="0"/>
-              <a:t>Complexity:</a:t>
+              <a:rPr lang="pt-BR" sz="2800" dirty="0"/>
+              <a:t>O(mn log n) + O(n (log n)2)</a:t>
             </a:r>
           </a:p>
           <a:p>
             <a:pPr marL="0" indent="0">
               <a:buNone/>
             </a:pPr>
+            <a:r>
+              <a:rPr lang="en-US" sz="2800" dirty="0"/>
+              <a:t>O(2.39E+6) @ 89 Attributes</a:t>
+            </a:r>
+          </a:p>
+          <a:p>
+            <a:r>
+              <a:rPr lang="en-US" sz="2800" dirty="0"/>
+              <a:t>O(5.77E+5) @ 20 Attributes</a:t>
+            </a:r>
+          </a:p>
+          <a:p>
             <a:endParaRPr lang="en-US" dirty="0"/>
           </a:p>
         </p:txBody>
@@ -3773,40 +3862,11 @@
             </a:pPr>
             <a:r>
               <a:rPr lang="en-US" u="sng" dirty="0"/>
-              <a:t>Source:</a:t>
-            </a:r>
-          </a:p>
-          <a:p>
-            <a:pPr marL="0" indent="0">
-              <a:buNone/>
-            </a:pPr>
+              <a:t>Source</a:t>
+            </a:r>
             <a:r>
               <a:rPr lang="en-US" dirty="0"/>
-              <a:t>Interactive Broker Exchange Service accessed through WRDS</a:t>
-            </a:r>
-          </a:p>
-          <a:p>
-            <a:pPr marL="0" indent="0">
-              <a:buNone/>
-            </a:pPr>
-            <a:r>
-              <a:rPr lang="en-US" dirty="0"/>
-              <a:t>Reduced to stocks in Dow Jones US Select Aerospace &amp; Defense Index as identified by the Exchange traded fund iShares US Aerospace &amp; Defense (ITA)</a:t>
-            </a:r>
-          </a:p>
-          <a:p>
-            <a:pPr marL="0" indent="0">
-              <a:buNone/>
-            </a:pPr>
-            <a:endParaRPr lang="en-US" u="sng" dirty="0"/>
-          </a:p>
-          <a:p>
-            <a:pPr marL="0" indent="0">
-              <a:buNone/>
-            </a:pPr>
-            <a:r>
-              <a:rPr lang="en-US" u="sng" dirty="0"/>
-              <a:t>Size:</a:t>
+              <a:t>:</a:t>
             </a:r>
           </a:p>
           <a:p>
@@ -3821,13 +3881,63 @@
             </a:pPr>
             <a:r>
               <a:rPr lang="en-US" u="sng" dirty="0"/>
-              <a:t>Complexity:</a:t>
+              <a:t>Size: </a:t>
             </a:r>
           </a:p>
           <a:p>
             <a:pPr marL="0" indent="0">
               <a:buNone/>
             </a:pPr>
+            <a:endParaRPr lang="en-US" dirty="0"/>
+          </a:p>
+        </p:txBody>
+      </p:sp>
+      <p:sp>
+        <p:nvSpPr>
+          <p:cNvPr id="3" name="TextBox 2">
+            <a:extLst>
+              <a:ext uri="{FF2B5EF4-FFF2-40B4-BE49-F238E27FC236}">
+                <a16:creationId xmlns:a16="http://schemas.microsoft.com/office/drawing/2014/main" id="{0C19E7A8-B36C-15E7-D515-E453AD7842DF}"/>
+              </a:ext>
+            </a:extLst>
+          </p:cNvPr>
+          <p:cNvSpPr txBox="1"/>
+          <p:nvPr/>
+        </p:nvSpPr>
+        <p:spPr>
+          <a:xfrm>
+            <a:off x="6413240" y="3601616"/>
+            <a:ext cx="5343331" cy="1231106"/>
+          </a:xfrm>
+          <a:prstGeom prst="rect">
+            <a:avLst/>
+          </a:prstGeom>
+          <a:noFill/>
+        </p:spPr>
+        <p:txBody>
+          <a:bodyPr wrap="square" rtlCol="0">
+            <a:spAutoFit/>
+          </a:bodyPr>
+          <a:lstStyle/>
+          <a:p>
+            <a:pPr marL="0" indent="0">
+              <a:buNone/>
+            </a:pPr>
+            <a:r>
+              <a:rPr lang="en-US" sz="2800" u="sng" dirty="0"/>
+              <a:t>Complexity for Decision Tree:</a:t>
+            </a:r>
+          </a:p>
+          <a:p>
+            <a:pPr marL="0" indent="0">
+              <a:buNone/>
+            </a:pPr>
+            <a:r>
+              <a:rPr lang="pt-BR" sz="2800" dirty="0"/>
+              <a:t>O(mn log n) + O(n (log n)2)</a:t>
+            </a:r>
+          </a:p>
+          <a:p>
             <a:endParaRPr lang="en-US" dirty="0"/>
           </a:p>
         </p:txBody>
@@ -3835,7 +3945,7 @@
     </p:spTree>
     <p:extLst>
       <p:ext uri="{BB962C8B-B14F-4D97-AF65-F5344CB8AC3E}">
-        <p14:creationId xmlns:p14="http://schemas.microsoft.com/office/powerpoint/2010/main" val="1560589917"/>
+        <p14:creationId xmlns:p14="http://schemas.microsoft.com/office/powerpoint/2010/main" val="4002579631"/>
       </p:ext>
     </p:extLst>
   </p:cSld>
